--- a/apuntes/6Components.pptx
+++ b/apuntes/6Components.pptx
@@ -16,6 +16,14 @@
     <p:sldId id="264" r:id="rId10"/>
     <p:sldId id="265" r:id="rId11"/>
     <p:sldId id="266" r:id="rId12"/>
+    <p:sldId id="267" r:id="rId13"/>
+    <p:sldId id="268" r:id="rId14"/>
+    <p:sldId id="269" r:id="rId15"/>
+    <p:sldId id="270" r:id="rId16"/>
+    <p:sldId id="271" r:id="rId17"/>
+    <p:sldId id="272" r:id="rId18"/>
+    <p:sldId id="273" r:id="rId19"/>
+    <p:sldId id="274" r:id="rId20"/>
   </p:sldIdLst>
   <p:sldSz cx="9144000" cy="6858000" type="screen4x3"/>
   <p:notesSz cx="6858000" cy="9144000"/>
@@ -299,7 +307,7 @@
             <a:fld id="{7A847CFC-816F-41D0-AAC0-9BF4FEBC753E}" type="datetimeFigureOut">
               <a:rPr lang="es-ES" smtClean="0"/>
               <a:pPr/>
-              <a:t>27/02/2020</a:t>
+              <a:t>28/02/2020</a:t>
             </a:fld>
             <a:endParaRPr lang="es-ES"/>
           </a:p>
@@ -466,7 +474,7 @@
             <a:fld id="{7A847CFC-816F-41D0-AAC0-9BF4FEBC753E}" type="datetimeFigureOut">
               <a:rPr lang="es-ES" smtClean="0"/>
               <a:pPr/>
-              <a:t>27/02/2020</a:t>
+              <a:t>28/02/2020</a:t>
             </a:fld>
             <a:endParaRPr lang="es-ES"/>
           </a:p>
@@ -643,7 +651,7 @@
             <a:fld id="{7A847CFC-816F-41D0-AAC0-9BF4FEBC753E}" type="datetimeFigureOut">
               <a:rPr lang="es-ES" smtClean="0"/>
               <a:pPr/>
-              <a:t>27/02/2020</a:t>
+              <a:t>28/02/2020</a:t>
             </a:fld>
             <a:endParaRPr lang="es-ES"/>
           </a:p>
@@ -810,7 +818,7 @@
             <a:fld id="{7A847CFC-816F-41D0-AAC0-9BF4FEBC753E}" type="datetimeFigureOut">
               <a:rPr lang="es-ES" smtClean="0"/>
               <a:pPr/>
-              <a:t>27/02/2020</a:t>
+              <a:t>28/02/2020</a:t>
             </a:fld>
             <a:endParaRPr lang="es-ES"/>
           </a:p>
@@ -1053,7 +1061,7 @@
             <a:fld id="{7A847CFC-816F-41D0-AAC0-9BF4FEBC753E}" type="datetimeFigureOut">
               <a:rPr lang="es-ES" smtClean="0"/>
               <a:pPr/>
-              <a:t>27/02/2020</a:t>
+              <a:t>28/02/2020</a:t>
             </a:fld>
             <a:endParaRPr lang="es-ES"/>
           </a:p>
@@ -1338,7 +1346,7 @@
             <a:fld id="{7A847CFC-816F-41D0-AAC0-9BF4FEBC753E}" type="datetimeFigureOut">
               <a:rPr lang="es-ES" smtClean="0"/>
               <a:pPr/>
-              <a:t>27/02/2020</a:t>
+              <a:t>28/02/2020</a:t>
             </a:fld>
             <a:endParaRPr lang="es-ES"/>
           </a:p>
@@ -1757,7 +1765,7 @@
             <a:fld id="{7A847CFC-816F-41D0-AAC0-9BF4FEBC753E}" type="datetimeFigureOut">
               <a:rPr lang="es-ES" smtClean="0"/>
               <a:pPr/>
-              <a:t>27/02/2020</a:t>
+              <a:t>28/02/2020</a:t>
             </a:fld>
             <a:endParaRPr lang="es-ES"/>
           </a:p>
@@ -1872,7 +1880,7 @@
             <a:fld id="{7A847CFC-816F-41D0-AAC0-9BF4FEBC753E}" type="datetimeFigureOut">
               <a:rPr lang="es-ES" smtClean="0"/>
               <a:pPr/>
-              <a:t>27/02/2020</a:t>
+              <a:t>28/02/2020</a:t>
             </a:fld>
             <a:endParaRPr lang="es-ES"/>
           </a:p>
@@ -1964,7 +1972,7 @@
             <a:fld id="{7A847CFC-816F-41D0-AAC0-9BF4FEBC753E}" type="datetimeFigureOut">
               <a:rPr lang="es-ES" smtClean="0"/>
               <a:pPr/>
-              <a:t>27/02/2020</a:t>
+              <a:t>28/02/2020</a:t>
             </a:fld>
             <a:endParaRPr lang="es-ES"/>
           </a:p>
@@ -2238,7 +2246,7 @@
             <a:fld id="{7A847CFC-816F-41D0-AAC0-9BF4FEBC753E}" type="datetimeFigureOut">
               <a:rPr lang="es-ES" smtClean="0"/>
               <a:pPr/>
-              <a:t>27/02/2020</a:t>
+              <a:t>28/02/2020</a:t>
             </a:fld>
             <a:endParaRPr lang="es-ES"/>
           </a:p>
@@ -2488,7 +2496,7 @@
             <a:fld id="{7A847CFC-816F-41D0-AAC0-9BF4FEBC753E}" type="datetimeFigureOut">
               <a:rPr lang="es-ES" smtClean="0"/>
               <a:pPr/>
-              <a:t>27/02/2020</a:t>
+              <a:t>28/02/2020</a:t>
             </a:fld>
             <a:endParaRPr lang="es-ES"/>
           </a:p>
@@ -2698,7 +2706,7 @@
             <a:fld id="{7A847CFC-816F-41D0-AAC0-9BF4FEBC753E}" type="datetimeFigureOut">
               <a:rPr lang="es-ES" smtClean="0"/>
               <a:pPr/>
-              <a:t>27/02/2020</a:t>
+              <a:t>28/02/2020</a:t>
             </a:fld>
             <a:endParaRPr lang="es-ES"/>
           </a:p>
@@ -3254,6 +3262,762 @@
           <a:xfrm>
             <a:off x="2081212" y="1905794"/>
             <a:ext cx="4981575" cy="3914775"/>
+          </a:xfrm>
+          <a:prstGeom prst="rect">
+            <a:avLst/>
+          </a:prstGeom>
+          <a:noFill/>
+          <a:ln w="9525">
+            <a:noFill/>
+            <a:miter lim="800000"/>
+            <a:headEnd/>
+            <a:tailEnd/>
+          </a:ln>
+        </p:spPr>
+      </p:pic>
+    </p:spTree>
+  </p:cSld>
+  <p:clrMapOvr>
+    <a:masterClrMapping/>
+  </p:clrMapOvr>
+</p:sld>
+</file>
+
+<file path=ppt/slides/slide12.xml><?xml version="1.0" encoding="utf-8"?>
+<p:sld xmlns:a="http://schemas.openxmlformats.org/drawingml/2006/main" xmlns:r="http://schemas.openxmlformats.org/officeDocument/2006/relationships" xmlns:p="http://schemas.openxmlformats.org/presentationml/2006/main">
+  <p:cSld>
+    <p:spTree>
+      <p:nvGrpSpPr>
+        <p:cNvPr id="1" name=""/>
+        <p:cNvGrpSpPr/>
+        <p:nvPr/>
+      </p:nvGrpSpPr>
+      <p:grpSpPr>
+        <a:xfrm>
+          <a:off x="0" y="0"/>
+          <a:ext cx="0" cy="0"/>
+          <a:chOff x="0" y="0"/>
+          <a:chExt cx="0" cy="0"/>
+        </a:xfrm>
+      </p:grpSpPr>
+      <p:sp>
+        <p:nvSpPr>
+          <p:cNvPr id="2" name="1 Título"/>
+          <p:cNvSpPr>
+            <a:spLocks noGrp="1"/>
+          </p:cNvSpPr>
+          <p:nvPr>
+            <p:ph type="title"/>
+          </p:nvPr>
+        </p:nvSpPr>
+        <p:spPr/>
+        <p:txBody>
+          <a:bodyPr/>
+          <a:lstStyle/>
+          <a:p>
+            <a:r>
+              <a:rPr lang="es-GT" dirty="0" smtClean="0"/>
+              <a:t>Rutas hijas</a:t>
+            </a:r>
+            <a:endParaRPr lang="es-ES" dirty="0"/>
+          </a:p>
+        </p:txBody>
+      </p:sp>
+      <p:pic>
+        <p:nvPicPr>
+          <p:cNvPr id="1026" name="Picture 2"/>
+          <p:cNvPicPr>
+            <a:picLocks noGrp="1" noChangeAspect="1" noChangeArrowheads="1"/>
+          </p:cNvPicPr>
+          <p:nvPr>
+            <p:ph idx="1"/>
+          </p:nvPr>
+        </p:nvPicPr>
+        <p:blipFill>
+          <a:blip r:embed="rId2" cstate="print"/>
+          <a:srcRect/>
+          <a:stretch>
+            <a:fillRect/>
+          </a:stretch>
+        </p:blipFill>
+        <p:spPr bwMode="auto">
+          <a:xfrm>
+            <a:off x="3203848" y="1340768"/>
+            <a:ext cx="2657475" cy="266700"/>
+          </a:xfrm>
+          <a:prstGeom prst="rect">
+            <a:avLst/>
+          </a:prstGeom>
+          <a:noFill/>
+          <a:ln w="9525">
+            <a:noFill/>
+            <a:miter lim="800000"/>
+            <a:headEnd/>
+            <a:tailEnd/>
+          </a:ln>
+        </p:spPr>
+      </p:pic>
+      <p:pic>
+        <p:nvPicPr>
+          <p:cNvPr id="1027" name="Picture 3"/>
+          <p:cNvPicPr>
+            <a:picLocks noChangeAspect="1" noChangeArrowheads="1"/>
+          </p:cNvPicPr>
+          <p:nvPr/>
+        </p:nvPicPr>
+        <p:blipFill>
+          <a:blip r:embed="rId3" cstate="print"/>
+          <a:srcRect/>
+          <a:stretch>
+            <a:fillRect/>
+          </a:stretch>
+        </p:blipFill>
+        <p:spPr bwMode="auto">
+          <a:xfrm>
+            <a:off x="3419872" y="1772816"/>
+            <a:ext cx="2266950" cy="742950"/>
+          </a:xfrm>
+          <a:prstGeom prst="rect">
+            <a:avLst/>
+          </a:prstGeom>
+          <a:noFill/>
+          <a:ln w="9525">
+            <a:noFill/>
+            <a:miter lim="800000"/>
+            <a:headEnd/>
+            <a:tailEnd/>
+          </a:ln>
+        </p:spPr>
+      </p:pic>
+      <p:pic>
+        <p:nvPicPr>
+          <p:cNvPr id="1028" name="Picture 4"/>
+          <p:cNvPicPr>
+            <a:picLocks noChangeAspect="1" noChangeArrowheads="1"/>
+          </p:cNvPicPr>
+          <p:nvPr/>
+        </p:nvPicPr>
+        <p:blipFill>
+          <a:blip r:embed="rId4" cstate="print"/>
+          <a:srcRect/>
+          <a:stretch>
+            <a:fillRect/>
+          </a:stretch>
+        </p:blipFill>
+        <p:spPr bwMode="auto">
+          <a:xfrm>
+            <a:off x="1691680" y="3140968"/>
+            <a:ext cx="5734050" cy="2390775"/>
+          </a:xfrm>
+          <a:prstGeom prst="rect">
+            <a:avLst/>
+          </a:prstGeom>
+          <a:noFill/>
+          <a:ln w="9525">
+            <a:noFill/>
+            <a:miter lim="800000"/>
+            <a:headEnd/>
+            <a:tailEnd/>
+          </a:ln>
+        </p:spPr>
+      </p:pic>
+    </p:spTree>
+  </p:cSld>
+  <p:clrMapOvr>
+    <a:masterClrMapping/>
+  </p:clrMapOvr>
+</p:sld>
+</file>
+
+<file path=ppt/slides/slide13.xml><?xml version="1.0" encoding="utf-8"?>
+<p:sld xmlns:a="http://schemas.openxmlformats.org/drawingml/2006/main" xmlns:r="http://schemas.openxmlformats.org/officeDocument/2006/relationships" xmlns:p="http://schemas.openxmlformats.org/presentationml/2006/main">
+  <p:cSld>
+    <p:spTree>
+      <p:nvGrpSpPr>
+        <p:cNvPr id="1" name=""/>
+        <p:cNvGrpSpPr/>
+        <p:nvPr/>
+      </p:nvGrpSpPr>
+      <p:grpSpPr>
+        <a:xfrm>
+          <a:off x="0" y="0"/>
+          <a:ext cx="0" cy="0"/>
+          <a:chOff x="0" y="0"/>
+          <a:chExt cx="0" cy="0"/>
+        </a:xfrm>
+      </p:grpSpPr>
+      <p:sp>
+        <p:nvSpPr>
+          <p:cNvPr id="2" name="1 Título"/>
+          <p:cNvSpPr>
+            <a:spLocks noGrp="1"/>
+          </p:cNvSpPr>
+          <p:nvPr>
+            <p:ph type="title"/>
+          </p:nvPr>
+        </p:nvSpPr>
+        <p:spPr/>
+        <p:txBody>
+          <a:bodyPr/>
+          <a:lstStyle/>
+          <a:p>
+            <a:endParaRPr lang="es-ES"/>
+          </a:p>
+        </p:txBody>
+      </p:sp>
+      <p:pic>
+        <p:nvPicPr>
+          <p:cNvPr id="2050" name="Picture 2"/>
+          <p:cNvPicPr>
+            <a:picLocks noGrp="1" noChangeAspect="1" noChangeArrowheads="1"/>
+          </p:cNvPicPr>
+          <p:nvPr>
+            <p:ph idx="1"/>
+          </p:nvPr>
+        </p:nvPicPr>
+        <p:blipFill>
+          <a:blip r:embed="rId2" cstate="print"/>
+          <a:srcRect/>
+          <a:stretch>
+            <a:fillRect/>
+          </a:stretch>
+        </p:blipFill>
+        <p:spPr bwMode="auto">
+          <a:xfrm>
+            <a:off x="1043608" y="836712"/>
+            <a:ext cx="7343775" cy="4333875"/>
+          </a:xfrm>
+          <a:prstGeom prst="rect">
+            <a:avLst/>
+          </a:prstGeom>
+          <a:noFill/>
+          <a:ln w="9525">
+            <a:noFill/>
+            <a:miter lim="800000"/>
+            <a:headEnd/>
+            <a:tailEnd/>
+          </a:ln>
+        </p:spPr>
+      </p:pic>
+      <p:pic>
+        <p:nvPicPr>
+          <p:cNvPr id="2051" name="Picture 3"/>
+          <p:cNvPicPr>
+            <a:picLocks noChangeAspect="1" noChangeArrowheads="1"/>
+          </p:cNvPicPr>
+          <p:nvPr/>
+        </p:nvPicPr>
+        <p:blipFill>
+          <a:blip r:embed="rId3" cstate="print"/>
+          <a:srcRect/>
+          <a:stretch>
+            <a:fillRect/>
+          </a:stretch>
+        </p:blipFill>
+        <p:spPr bwMode="auto">
+          <a:xfrm>
+            <a:off x="3851920" y="3861048"/>
+            <a:ext cx="4733925" cy="2124075"/>
+          </a:xfrm>
+          <a:prstGeom prst="rect">
+            <a:avLst/>
+          </a:prstGeom>
+          <a:noFill/>
+          <a:ln w="9525">
+            <a:noFill/>
+            <a:miter lim="800000"/>
+            <a:headEnd/>
+            <a:tailEnd/>
+          </a:ln>
+        </p:spPr>
+      </p:pic>
+    </p:spTree>
+  </p:cSld>
+  <p:clrMapOvr>
+    <a:masterClrMapping/>
+  </p:clrMapOvr>
+</p:sld>
+</file>
+
+<file path=ppt/slides/slide14.xml><?xml version="1.0" encoding="utf-8"?>
+<p:sld xmlns:a="http://schemas.openxmlformats.org/drawingml/2006/main" xmlns:r="http://schemas.openxmlformats.org/officeDocument/2006/relationships" xmlns:p="http://schemas.openxmlformats.org/presentationml/2006/main">
+  <p:cSld>
+    <p:spTree>
+      <p:nvGrpSpPr>
+        <p:cNvPr id="1" name=""/>
+        <p:cNvGrpSpPr/>
+        <p:nvPr/>
+      </p:nvGrpSpPr>
+      <p:grpSpPr>
+        <a:xfrm>
+          <a:off x="0" y="0"/>
+          <a:ext cx="0" cy="0"/>
+          <a:chOff x="0" y="0"/>
+          <a:chExt cx="0" cy="0"/>
+        </a:xfrm>
+      </p:grpSpPr>
+      <p:sp>
+        <p:nvSpPr>
+          <p:cNvPr id="2" name="1 Título"/>
+          <p:cNvSpPr>
+            <a:spLocks noGrp="1"/>
+          </p:cNvSpPr>
+          <p:nvPr>
+            <p:ph type="title"/>
+          </p:nvPr>
+        </p:nvSpPr>
+        <p:spPr/>
+        <p:txBody>
+          <a:bodyPr/>
+          <a:lstStyle/>
+          <a:p>
+            <a:endParaRPr lang="es-ES"/>
+          </a:p>
+        </p:txBody>
+      </p:sp>
+      <p:pic>
+        <p:nvPicPr>
+          <p:cNvPr id="3074" name="Picture 2"/>
+          <p:cNvPicPr>
+            <a:picLocks noGrp="1" noChangeAspect="1" noChangeArrowheads="1"/>
+          </p:cNvPicPr>
+          <p:nvPr>
+            <p:ph idx="1"/>
+          </p:nvPr>
+        </p:nvPicPr>
+        <p:blipFill>
+          <a:blip r:embed="rId2" cstate="print"/>
+          <a:srcRect/>
+          <a:stretch>
+            <a:fillRect/>
+          </a:stretch>
+        </p:blipFill>
+        <p:spPr bwMode="auto">
+          <a:xfrm>
+            <a:off x="1475656" y="0"/>
+            <a:ext cx="6280851" cy="4365104"/>
+          </a:xfrm>
+          <a:prstGeom prst="rect">
+            <a:avLst/>
+          </a:prstGeom>
+          <a:noFill/>
+          <a:ln w="9525">
+            <a:noFill/>
+            <a:miter lim="800000"/>
+            <a:headEnd/>
+            <a:tailEnd/>
+          </a:ln>
+        </p:spPr>
+      </p:pic>
+      <p:pic>
+        <p:nvPicPr>
+          <p:cNvPr id="3075" name="Picture 3"/>
+          <p:cNvPicPr>
+            <a:picLocks noChangeAspect="1" noChangeArrowheads="1"/>
+          </p:cNvPicPr>
+          <p:nvPr/>
+        </p:nvPicPr>
+        <p:blipFill>
+          <a:blip r:embed="rId3" cstate="print"/>
+          <a:srcRect/>
+          <a:stretch>
+            <a:fillRect/>
+          </a:stretch>
+        </p:blipFill>
+        <p:spPr bwMode="auto">
+          <a:xfrm>
+            <a:off x="0" y="4435572"/>
+            <a:ext cx="9308158" cy="2422428"/>
+          </a:xfrm>
+          <a:prstGeom prst="rect">
+            <a:avLst/>
+          </a:prstGeom>
+          <a:noFill/>
+          <a:ln w="9525">
+            <a:noFill/>
+            <a:miter lim="800000"/>
+            <a:headEnd/>
+            <a:tailEnd/>
+          </a:ln>
+        </p:spPr>
+      </p:pic>
+    </p:spTree>
+  </p:cSld>
+  <p:clrMapOvr>
+    <a:masterClrMapping/>
+  </p:clrMapOvr>
+</p:sld>
+</file>
+
+<file path=ppt/slides/slide15.xml><?xml version="1.0" encoding="utf-8"?>
+<p:sld xmlns:a="http://schemas.openxmlformats.org/drawingml/2006/main" xmlns:r="http://schemas.openxmlformats.org/officeDocument/2006/relationships" xmlns:p="http://schemas.openxmlformats.org/presentationml/2006/main">
+  <p:cSld>
+    <p:spTree>
+      <p:nvGrpSpPr>
+        <p:cNvPr id="1" name=""/>
+        <p:cNvGrpSpPr/>
+        <p:nvPr/>
+      </p:nvGrpSpPr>
+      <p:grpSpPr>
+        <a:xfrm>
+          <a:off x="0" y="0"/>
+          <a:ext cx="0" cy="0"/>
+          <a:chOff x="0" y="0"/>
+          <a:chExt cx="0" cy="0"/>
+        </a:xfrm>
+      </p:grpSpPr>
+      <p:sp>
+        <p:nvSpPr>
+          <p:cNvPr id="2" name="1 Título"/>
+          <p:cNvSpPr>
+            <a:spLocks noGrp="1"/>
+          </p:cNvSpPr>
+          <p:nvPr>
+            <p:ph type="title"/>
+          </p:nvPr>
+        </p:nvSpPr>
+        <p:spPr/>
+        <p:txBody>
+          <a:bodyPr/>
+          <a:lstStyle/>
+          <a:p>
+            <a:endParaRPr lang="es-ES"/>
+          </a:p>
+        </p:txBody>
+      </p:sp>
+      <p:pic>
+        <p:nvPicPr>
+          <p:cNvPr id="5" name="Picture 2"/>
+          <p:cNvPicPr>
+            <a:picLocks noGrp="1" noChangeAspect="1" noChangeArrowheads="1"/>
+          </p:cNvPicPr>
+          <p:nvPr>
+            <p:ph idx="1"/>
+          </p:nvPr>
+        </p:nvPicPr>
+        <p:blipFill>
+          <a:blip r:embed="rId2" cstate="print"/>
+          <a:srcRect/>
+          <a:stretch>
+            <a:fillRect/>
+          </a:stretch>
+        </p:blipFill>
+        <p:spPr bwMode="auto">
+          <a:xfrm>
+            <a:off x="1666875" y="2643981"/>
+            <a:ext cx="5810250" cy="2438400"/>
+          </a:xfrm>
+          <a:prstGeom prst="rect">
+            <a:avLst/>
+          </a:prstGeom>
+          <a:noFill/>
+          <a:ln w="9525">
+            <a:noFill/>
+            <a:miter lim="800000"/>
+            <a:headEnd/>
+            <a:tailEnd/>
+          </a:ln>
+        </p:spPr>
+      </p:pic>
+    </p:spTree>
+  </p:cSld>
+  <p:clrMapOvr>
+    <a:masterClrMapping/>
+  </p:clrMapOvr>
+</p:sld>
+</file>
+
+<file path=ppt/slides/slide16.xml><?xml version="1.0" encoding="utf-8"?>
+<p:sld xmlns:a="http://schemas.openxmlformats.org/drawingml/2006/main" xmlns:r="http://schemas.openxmlformats.org/officeDocument/2006/relationships" xmlns:p="http://schemas.openxmlformats.org/presentationml/2006/main">
+  <p:cSld>
+    <p:spTree>
+      <p:nvGrpSpPr>
+        <p:cNvPr id="1" name=""/>
+        <p:cNvGrpSpPr/>
+        <p:nvPr/>
+      </p:nvGrpSpPr>
+      <p:grpSpPr>
+        <a:xfrm>
+          <a:off x="0" y="0"/>
+          <a:ext cx="0" cy="0"/>
+          <a:chOff x="0" y="0"/>
+          <a:chExt cx="0" cy="0"/>
+        </a:xfrm>
+      </p:grpSpPr>
+      <p:sp>
+        <p:nvSpPr>
+          <p:cNvPr id="2" name="1 Título"/>
+          <p:cNvSpPr>
+            <a:spLocks noGrp="1"/>
+          </p:cNvSpPr>
+          <p:nvPr>
+            <p:ph type="title"/>
+          </p:nvPr>
+        </p:nvSpPr>
+        <p:spPr/>
+        <p:txBody>
+          <a:bodyPr/>
+          <a:lstStyle/>
+          <a:p>
+            <a:endParaRPr lang="es-ES"/>
+          </a:p>
+        </p:txBody>
+      </p:sp>
+      <p:pic>
+        <p:nvPicPr>
+          <p:cNvPr id="5122" name="Picture 2"/>
+          <p:cNvPicPr>
+            <a:picLocks noGrp="1" noChangeAspect="1" noChangeArrowheads="1"/>
+          </p:cNvPicPr>
+          <p:nvPr>
+            <p:ph idx="1"/>
+          </p:nvPr>
+        </p:nvPicPr>
+        <p:blipFill>
+          <a:blip r:embed="rId2" cstate="print"/>
+          <a:srcRect/>
+          <a:stretch>
+            <a:fillRect/>
+          </a:stretch>
+        </p:blipFill>
+        <p:spPr bwMode="auto">
+          <a:xfrm>
+            <a:off x="2047875" y="2710656"/>
+            <a:ext cx="5048250" cy="2305050"/>
+          </a:xfrm>
+          <a:prstGeom prst="rect">
+            <a:avLst/>
+          </a:prstGeom>
+          <a:noFill/>
+          <a:ln w="9525">
+            <a:noFill/>
+            <a:miter lim="800000"/>
+            <a:headEnd/>
+            <a:tailEnd/>
+          </a:ln>
+        </p:spPr>
+      </p:pic>
+    </p:spTree>
+  </p:cSld>
+  <p:clrMapOvr>
+    <a:masterClrMapping/>
+  </p:clrMapOvr>
+</p:sld>
+</file>
+
+<file path=ppt/slides/slide17.xml><?xml version="1.0" encoding="utf-8"?>
+<p:sld xmlns:a="http://schemas.openxmlformats.org/drawingml/2006/main" xmlns:r="http://schemas.openxmlformats.org/officeDocument/2006/relationships" xmlns:p="http://schemas.openxmlformats.org/presentationml/2006/main">
+  <p:cSld>
+    <p:spTree>
+      <p:nvGrpSpPr>
+        <p:cNvPr id="1" name=""/>
+        <p:cNvGrpSpPr/>
+        <p:nvPr/>
+      </p:nvGrpSpPr>
+      <p:grpSpPr>
+        <a:xfrm>
+          <a:off x="0" y="0"/>
+          <a:ext cx="0" cy="0"/>
+          <a:chOff x="0" y="0"/>
+          <a:chExt cx="0" cy="0"/>
+        </a:xfrm>
+      </p:grpSpPr>
+      <p:sp>
+        <p:nvSpPr>
+          <p:cNvPr id="2" name="1 Título"/>
+          <p:cNvSpPr>
+            <a:spLocks noGrp="1"/>
+          </p:cNvSpPr>
+          <p:nvPr>
+            <p:ph type="title"/>
+          </p:nvPr>
+        </p:nvSpPr>
+        <p:spPr/>
+        <p:txBody>
+          <a:bodyPr/>
+          <a:lstStyle/>
+          <a:p>
+            <a:endParaRPr lang="es-ES"/>
+          </a:p>
+        </p:txBody>
+      </p:sp>
+      <p:pic>
+        <p:nvPicPr>
+          <p:cNvPr id="6146" name="Picture 2"/>
+          <p:cNvPicPr>
+            <a:picLocks noGrp="1" noChangeAspect="1" noChangeArrowheads="1"/>
+          </p:cNvPicPr>
+          <p:nvPr>
+            <p:ph idx="1"/>
+          </p:nvPr>
+        </p:nvPicPr>
+        <p:blipFill>
+          <a:blip r:embed="rId2" cstate="print"/>
+          <a:srcRect/>
+          <a:stretch>
+            <a:fillRect/>
+          </a:stretch>
+        </p:blipFill>
+        <p:spPr bwMode="auto">
+          <a:xfrm>
+            <a:off x="771468" y="1600200"/>
+            <a:ext cx="7601063" cy="4525963"/>
+          </a:xfrm>
+          <a:prstGeom prst="rect">
+            <a:avLst/>
+          </a:prstGeom>
+          <a:noFill/>
+          <a:ln w="9525">
+            <a:noFill/>
+            <a:miter lim="800000"/>
+            <a:headEnd/>
+            <a:tailEnd/>
+          </a:ln>
+        </p:spPr>
+      </p:pic>
+    </p:spTree>
+  </p:cSld>
+  <p:clrMapOvr>
+    <a:masterClrMapping/>
+  </p:clrMapOvr>
+</p:sld>
+</file>
+
+<file path=ppt/slides/slide18.xml><?xml version="1.0" encoding="utf-8"?>
+<p:sld xmlns:a="http://schemas.openxmlformats.org/drawingml/2006/main" xmlns:r="http://schemas.openxmlformats.org/officeDocument/2006/relationships" xmlns:p="http://schemas.openxmlformats.org/presentationml/2006/main">
+  <p:cSld>
+    <p:spTree>
+      <p:nvGrpSpPr>
+        <p:cNvPr id="1" name=""/>
+        <p:cNvGrpSpPr/>
+        <p:nvPr/>
+      </p:nvGrpSpPr>
+      <p:grpSpPr>
+        <a:xfrm>
+          <a:off x="0" y="0"/>
+          <a:ext cx="0" cy="0"/>
+          <a:chOff x="0" y="0"/>
+          <a:chExt cx="0" cy="0"/>
+        </a:xfrm>
+      </p:grpSpPr>
+      <p:sp>
+        <p:nvSpPr>
+          <p:cNvPr id="2" name="1 Título"/>
+          <p:cNvSpPr>
+            <a:spLocks noGrp="1"/>
+          </p:cNvSpPr>
+          <p:nvPr>
+            <p:ph type="title"/>
+          </p:nvPr>
+        </p:nvSpPr>
+        <p:spPr/>
+        <p:txBody>
+          <a:bodyPr/>
+          <a:lstStyle/>
+          <a:p>
+            <a:endParaRPr lang="es-ES"/>
+          </a:p>
+        </p:txBody>
+      </p:sp>
+      <p:pic>
+        <p:nvPicPr>
+          <p:cNvPr id="7170" name="Picture 2"/>
+          <p:cNvPicPr>
+            <a:picLocks noGrp="1" noChangeAspect="1" noChangeArrowheads="1"/>
+          </p:cNvPicPr>
+          <p:nvPr>
+            <p:ph idx="1"/>
+          </p:nvPr>
+        </p:nvPicPr>
+        <p:blipFill>
+          <a:blip r:embed="rId2" cstate="print"/>
+          <a:srcRect/>
+          <a:stretch>
+            <a:fillRect/>
+          </a:stretch>
+        </p:blipFill>
+        <p:spPr bwMode="auto">
+          <a:xfrm>
+            <a:off x="457200" y="2661439"/>
+            <a:ext cx="8229600" cy="2403485"/>
+          </a:xfrm>
+          <a:prstGeom prst="rect">
+            <a:avLst/>
+          </a:prstGeom>
+          <a:noFill/>
+          <a:ln w="9525">
+            <a:noFill/>
+            <a:miter lim="800000"/>
+            <a:headEnd/>
+            <a:tailEnd/>
+          </a:ln>
+        </p:spPr>
+      </p:pic>
+    </p:spTree>
+  </p:cSld>
+  <p:clrMapOvr>
+    <a:masterClrMapping/>
+  </p:clrMapOvr>
+</p:sld>
+</file>
+
+<file path=ppt/slides/slide19.xml><?xml version="1.0" encoding="utf-8"?>
+<p:sld xmlns:a="http://schemas.openxmlformats.org/drawingml/2006/main" xmlns:r="http://schemas.openxmlformats.org/officeDocument/2006/relationships" xmlns:p="http://schemas.openxmlformats.org/presentationml/2006/main">
+  <p:cSld>
+    <p:spTree>
+      <p:nvGrpSpPr>
+        <p:cNvPr id="1" name=""/>
+        <p:cNvGrpSpPr/>
+        <p:nvPr/>
+      </p:nvGrpSpPr>
+      <p:grpSpPr>
+        <a:xfrm>
+          <a:off x="0" y="0"/>
+          <a:ext cx="0" cy="0"/>
+          <a:chOff x="0" y="0"/>
+          <a:chExt cx="0" cy="0"/>
+        </a:xfrm>
+      </p:grpSpPr>
+      <p:sp>
+        <p:nvSpPr>
+          <p:cNvPr id="2" name="1 Título"/>
+          <p:cNvSpPr>
+            <a:spLocks noGrp="1"/>
+          </p:cNvSpPr>
+          <p:nvPr>
+            <p:ph type="title"/>
+          </p:nvPr>
+        </p:nvSpPr>
+        <p:spPr/>
+        <p:txBody>
+          <a:bodyPr/>
+          <a:lstStyle/>
+          <a:p>
+            <a:endParaRPr lang="es-ES"/>
+          </a:p>
+        </p:txBody>
+      </p:sp>
+      <p:pic>
+        <p:nvPicPr>
+          <p:cNvPr id="8194" name="Picture 2"/>
+          <p:cNvPicPr>
+            <a:picLocks noGrp="1" noChangeAspect="1" noChangeArrowheads="1"/>
+          </p:cNvPicPr>
+          <p:nvPr>
+            <p:ph idx="1"/>
+          </p:nvPr>
+        </p:nvPicPr>
+        <p:blipFill>
+          <a:blip r:embed="rId2" cstate="print"/>
+          <a:srcRect/>
+          <a:stretch>
+            <a:fillRect/>
+          </a:stretch>
+        </p:blipFill>
+        <p:spPr bwMode="auto">
+          <a:xfrm>
+            <a:off x="1250579" y="1600200"/>
+            <a:ext cx="6642841" cy="4525963"/>
           </a:xfrm>
           <a:prstGeom prst="rect">
             <a:avLst/>
